--- a/Poster Outline.pptx
+++ b/Poster Outline.pptx
@@ -3172,7 +3172,7 @@
         </p:nvSpPr>
         <p:spPr>
           <a:xfrm>
-            <a:off x="2818295" y="1049641"/>
+            <a:off x="363781" y="1091774"/>
             <a:ext cx="4577583" cy="369332"/>
           </a:xfrm>
           <a:prstGeom prst="rect">
@@ -3206,7 +3206,7 @@
         </p:nvSpPr>
         <p:spPr>
           <a:xfrm>
-            <a:off x="3282283" y="1418973"/>
+            <a:off x="5111709" y="1105486"/>
             <a:ext cx="2326278" cy="369332"/>
           </a:xfrm>
           <a:prstGeom prst="rect">
@@ -3244,7 +3244,7 @@
         </p:nvSpPr>
         <p:spPr>
           <a:xfrm>
-            <a:off x="363781" y="1978181"/>
+            <a:off x="644665" y="1418973"/>
             <a:ext cx="1034846" cy="923330"/>
           </a:xfrm>
           <a:prstGeom prst="rect">
@@ -3285,7 +3285,7 @@
         </p:nvSpPr>
         <p:spPr>
           <a:xfrm>
-            <a:off x="1783449" y="1984049"/>
+            <a:off x="468941" y="2901511"/>
             <a:ext cx="1417162" cy="923330"/>
           </a:xfrm>
           <a:prstGeom prst="rect">
@@ -3326,7 +3326,7 @@
         </p:nvSpPr>
         <p:spPr>
           <a:xfrm>
-            <a:off x="3621154" y="1978181"/>
+            <a:off x="363781" y="4291914"/>
             <a:ext cx="1522322" cy="923330"/>
           </a:xfrm>
           <a:prstGeom prst="rect">
@@ -3367,7 +3367,7 @@
         </p:nvSpPr>
         <p:spPr>
           <a:xfrm>
-            <a:off x="5608561" y="1978181"/>
+            <a:off x="7490921" y="1474818"/>
             <a:ext cx="1000244" cy="923330"/>
           </a:xfrm>
           <a:prstGeom prst="rect">
@@ -3408,7 +3408,7 @@
         </p:nvSpPr>
         <p:spPr>
           <a:xfrm>
-            <a:off x="7395878" y="1978181"/>
+            <a:off x="7316782" y="4640178"/>
             <a:ext cx="1348521" cy="923330"/>
           </a:xfrm>
           <a:prstGeom prst="rect">
@@ -3449,7 +3449,7 @@
         </p:nvSpPr>
         <p:spPr>
           <a:xfrm>
-            <a:off x="319429" y="3565611"/>
+            <a:off x="2466416" y="1443395"/>
             <a:ext cx="1978402" cy="2173557"/>
           </a:xfrm>
           <a:prstGeom prst="rect">
@@ -3491,7 +3491,7 @@
         </p:nvSpPr>
         <p:spPr>
           <a:xfrm>
-            <a:off x="4630403" y="3565611"/>
+            <a:off x="4722314" y="1443395"/>
             <a:ext cx="1978402" cy="2173557"/>
           </a:xfrm>
           <a:prstGeom prst="rect">
@@ -3519,7 +3519,7 @@
             <a:pPr algn="ctr"/>
             <a:r>
               <a:rPr lang="en-US" dirty="0" smtClean="0"/>
-              <a:t>NLP</a:t>
+              <a:t>Natural Language Processing</a:t>
             </a:r>
             <a:endParaRPr lang="en-US" dirty="0"/>
           </a:p>
@@ -3533,7 +3533,7 @@
         </p:nvSpPr>
         <p:spPr>
           <a:xfrm>
-            <a:off x="6765997" y="3565611"/>
+            <a:off x="4803971" y="3881243"/>
             <a:ext cx="1978402" cy="2173557"/>
           </a:xfrm>
           <a:prstGeom prst="rect">
@@ -3561,7 +3561,7 @@
             <a:pPr algn="ctr"/>
             <a:r>
               <a:rPr lang="en-US" dirty="0" smtClean="0"/>
-              <a:t>Volcanology</a:t>
+              <a:t>Hawkes Processes</a:t>
             </a:r>
             <a:endParaRPr lang="en-US" dirty="0"/>
           </a:p>
@@ -3575,7 +3575,7 @@
         </p:nvSpPr>
         <p:spPr>
           <a:xfrm>
-            <a:off x="5143476" y="2874438"/>
+            <a:off x="7039500" y="2747622"/>
             <a:ext cx="1903085" cy="307777"/>
           </a:xfrm>
           <a:prstGeom prst="rect">
@@ -3609,7 +3609,7 @@
         </p:nvSpPr>
         <p:spPr>
           <a:xfrm>
-            <a:off x="363781" y="5786510"/>
+            <a:off x="2466416" y="3563231"/>
             <a:ext cx="1833630" cy="523220"/>
           </a:xfrm>
           <a:prstGeom prst="rect">
@@ -3783,7 +3783,7 @@
         </p:nvSpPr>
         <p:spPr>
           <a:xfrm>
-            <a:off x="2466416" y="3565611"/>
+            <a:off x="2437884" y="3883096"/>
             <a:ext cx="1978402" cy="2173557"/>
           </a:xfrm>
           <a:prstGeom prst="rect">
@@ -3811,7 +3811,7 @@
             <a:pPr algn="ctr"/>
             <a:r>
               <a:rPr lang="en-US" dirty="0" smtClean="0"/>
-              <a:t>T cell receptor genomes</a:t>
+              <a:t>T cell receptor genome</a:t>
             </a:r>
             <a:endParaRPr lang="en-US" dirty="0"/>
           </a:p>
@@ -3825,7 +3825,7 @@
         </p:nvSpPr>
         <p:spPr>
           <a:xfrm>
-            <a:off x="881204" y="3182215"/>
+            <a:off x="2850113" y="1972971"/>
             <a:ext cx="864339" cy="369332"/>
           </a:xfrm>
           <a:prstGeom prst="rect">
@@ -3855,7 +3855,7 @@
         </p:nvSpPr>
         <p:spPr>
           <a:xfrm>
-            <a:off x="2767757" y="3182215"/>
+            <a:off x="2733288" y="3935942"/>
             <a:ext cx="1408596" cy="369332"/>
           </a:xfrm>
           <a:prstGeom prst="rect">
@@ -3885,7 +3885,7 @@
         </p:nvSpPr>
         <p:spPr>
           <a:xfrm>
-            <a:off x="4691463" y="3196279"/>
+            <a:off x="4722314" y="1788305"/>
             <a:ext cx="1886491" cy="369332"/>
           </a:xfrm>
           <a:prstGeom prst="rect">
@@ -3915,8 +3915,8 @@
         </p:nvSpPr>
         <p:spPr>
           <a:xfrm>
-            <a:off x="7298541" y="3196279"/>
-            <a:ext cx="954708" cy="369332"/>
+            <a:off x="4941364" y="3985935"/>
+            <a:ext cx="1417500" cy="369332"/>
           </a:xfrm>
           <a:prstGeom prst="rect">
             <a:avLst/>
@@ -3931,7 +3931,7 @@
           <a:p>
             <a:r>
               <a:rPr lang="en-US" dirty="0" smtClean="0"/>
-              <a:t>Geology</a:t>
+              <a:t>Mathematics</a:t>
             </a:r>
             <a:endParaRPr lang="en-US" dirty="0"/>
           </a:p>
